--- a/Us Air Quality Prediction.pptx
+++ b/Us Air Quality Prediction.pptx
@@ -225,7 +225,7 @@
           <a:p>
             <a:fld id="{80EE31D9-474E-4E0A-A2E1-1B3F0A8AAD85}" type="datetimeFigureOut">
               <a:rPr lang="en-US" smtClean="0"/>
-              <a:t>9/9/2022</a:t>
+              <a:t>9/12/2022</a:t>
             </a:fld>
             <a:endParaRPr lang="en-US"/>
           </a:p>
@@ -624,7 +624,7 @@
           <a:p>
             <a:fld id="{D73102FD-21EB-4829-B4DD-E08E639341EB}" type="datetimeFigureOut">
               <a:rPr lang="en-US" smtClean="0"/>
-              <a:t>9/9/2022</a:t>
+              <a:t>9/12/2022</a:t>
             </a:fld>
             <a:endParaRPr lang="en-US"/>
           </a:p>
@@ -794,7 +794,7 @@
           <a:p>
             <a:fld id="{D73102FD-21EB-4829-B4DD-E08E639341EB}" type="datetimeFigureOut">
               <a:rPr lang="en-US" smtClean="0"/>
-              <a:t>9/9/2022</a:t>
+              <a:t>9/12/2022</a:t>
             </a:fld>
             <a:endParaRPr lang="en-US"/>
           </a:p>
@@ -974,7 +974,7 @@
           <a:p>
             <a:fld id="{D73102FD-21EB-4829-B4DD-E08E639341EB}" type="datetimeFigureOut">
               <a:rPr lang="en-US" smtClean="0"/>
-              <a:t>9/9/2022</a:t>
+              <a:t>9/12/2022</a:t>
             </a:fld>
             <a:endParaRPr lang="en-US"/>
           </a:p>
@@ -1144,7 +1144,7 @@
           <a:p>
             <a:fld id="{D73102FD-21EB-4829-B4DD-E08E639341EB}" type="datetimeFigureOut">
               <a:rPr lang="en-US" smtClean="0"/>
-              <a:t>9/9/2022</a:t>
+              <a:t>9/12/2022</a:t>
             </a:fld>
             <a:endParaRPr lang="en-US"/>
           </a:p>
@@ -1390,7 +1390,7 @@
           <a:p>
             <a:fld id="{D73102FD-21EB-4829-B4DD-E08E639341EB}" type="datetimeFigureOut">
               <a:rPr lang="en-US" smtClean="0"/>
-              <a:t>9/9/2022</a:t>
+              <a:t>9/12/2022</a:t>
             </a:fld>
             <a:endParaRPr lang="en-US"/>
           </a:p>
@@ -1622,7 +1622,7 @@
           <a:p>
             <a:fld id="{D73102FD-21EB-4829-B4DD-E08E639341EB}" type="datetimeFigureOut">
               <a:rPr lang="en-US" smtClean="0"/>
-              <a:t>9/9/2022</a:t>
+              <a:t>9/12/2022</a:t>
             </a:fld>
             <a:endParaRPr lang="en-US"/>
           </a:p>
@@ -1989,7 +1989,7 @@
           <a:p>
             <a:fld id="{D73102FD-21EB-4829-B4DD-E08E639341EB}" type="datetimeFigureOut">
               <a:rPr lang="en-US" smtClean="0"/>
-              <a:t>9/9/2022</a:t>
+              <a:t>9/12/2022</a:t>
             </a:fld>
             <a:endParaRPr lang="en-US"/>
           </a:p>
@@ -2107,7 +2107,7 @@
           <a:p>
             <a:fld id="{D73102FD-21EB-4829-B4DD-E08E639341EB}" type="datetimeFigureOut">
               <a:rPr lang="en-US" smtClean="0"/>
-              <a:t>9/9/2022</a:t>
+              <a:t>9/12/2022</a:t>
             </a:fld>
             <a:endParaRPr lang="en-US"/>
           </a:p>
@@ -2202,7 +2202,7 @@
           <a:p>
             <a:fld id="{D73102FD-21EB-4829-B4DD-E08E639341EB}" type="datetimeFigureOut">
               <a:rPr lang="en-US" smtClean="0"/>
-              <a:t>9/9/2022</a:t>
+              <a:t>9/12/2022</a:t>
             </a:fld>
             <a:endParaRPr lang="en-US"/>
           </a:p>
@@ -2479,7 +2479,7 @@
           <a:p>
             <a:fld id="{D73102FD-21EB-4829-B4DD-E08E639341EB}" type="datetimeFigureOut">
               <a:rPr lang="en-US" smtClean="0"/>
-              <a:t>9/9/2022</a:t>
+              <a:t>9/12/2022</a:t>
             </a:fld>
             <a:endParaRPr lang="en-US"/>
           </a:p>
@@ -2732,7 +2732,7 @@
           <a:p>
             <a:fld id="{D73102FD-21EB-4829-B4DD-E08E639341EB}" type="datetimeFigureOut">
               <a:rPr lang="en-US" smtClean="0"/>
-              <a:t>9/9/2022</a:t>
+              <a:t>9/12/2022</a:t>
             </a:fld>
             <a:endParaRPr lang="en-US"/>
           </a:p>
@@ -2953,7 +2953,7 @@
           <a:p>
             <a:fld id="{D73102FD-21EB-4829-B4DD-E08E639341EB}" type="datetimeFigureOut">
               <a:rPr lang="en-US" smtClean="0"/>
-              <a:t>9/9/2022</a:t>
+              <a:t>9/12/2022</a:t>
             </a:fld>
             <a:endParaRPr lang="en-US"/>
           </a:p>
@@ -8396,17 +8396,7 @@
                 <a:latin typeface="Times New Roman" panose="02020603050405020304" pitchFamily="18" charset="0"/>
                 <a:cs typeface="Times New Roman" panose="02020603050405020304" pitchFamily="18" charset="0"/>
               </a:rPr>
-              <a:t>tree, </a:t>
-            </a:r>
-            <a:r>
-              <a:rPr lang="en-US" sz="2000" dirty="0" smtClean="0">
-                <a:solidFill>
-                  <a:schemeClr val="bg1"/>
-                </a:solidFill>
-                <a:latin typeface="Times New Roman" panose="02020603050405020304" pitchFamily="18" charset="0"/>
-                <a:cs typeface="Times New Roman" panose="02020603050405020304" pitchFamily="18" charset="0"/>
-              </a:rPr>
-              <a:t>after hyper parameters tuning still overfitting and low accuracy, so will try XGBoost</a:t>
+              <a:t>tree, after hyper parameters tuning still overfitting and low accuracy, so will try XGBoost</a:t>
             </a:r>
             <a:endParaRPr lang="en-US" sz="2000" dirty="0">
               <a:solidFill>
@@ -8450,7 +8440,7 @@
       </p:grpSpPr>
       <p:pic>
         <p:nvPicPr>
-          <p:cNvPr id="4" name="Picture 3"/>
+          <p:cNvPr id="6" name="Picture 5"/>
           <p:cNvPicPr>
             <a:picLocks noChangeAspect="1"/>
           </p:cNvPicPr>
@@ -8464,13 +8454,13 @@
               </a:ext>
             </a:extLst>
           </a:blip>
-          <a:srcRect l="6169" t="4943" r="6353" b="3649"/>
+          <a:srcRect l="7000" t="4242" r="7637" b="3576"/>
           <a:stretch/>
         </p:blipFill>
         <p:spPr>
           <a:xfrm>
-            <a:off x="4367961" y="1988185"/>
-            <a:ext cx="7824039" cy="4225753"/>
+            <a:off x="4367960" y="1948478"/>
+            <a:ext cx="7824040" cy="4238027"/>
           </a:xfrm>
           <a:prstGeom prst="rect">
             <a:avLst/>
@@ -8770,57 +8760,43 @@
                 <a:latin typeface="Times New Roman" panose="02020603050405020304" pitchFamily="18" charset="0"/>
                 <a:cs typeface="Times New Roman" panose="02020603050405020304" pitchFamily="18" charset="0"/>
               </a:rPr>
-              <a:t>Score on train : </a:t>
+              <a:t>Score on train : 0.835</a:t>
             </a:r>
+            <a:endParaRPr lang="en-US" sz="2800" dirty="0">
+              <a:latin typeface="Times New Roman" panose="02020603050405020304" pitchFamily="18" charset="0"/>
+              <a:cs typeface="Times New Roman" panose="02020603050405020304" pitchFamily="18" charset="0"/>
+            </a:endParaRPr>
+          </a:p>
+        </p:txBody>
+      </p:sp>
+      <p:sp>
+        <p:nvSpPr>
+          <p:cNvPr id="13" name="TextBox 12"/>
+          <p:cNvSpPr txBox="1"/>
+          <p:nvPr/>
+        </p:nvSpPr>
+        <p:spPr>
+          <a:xfrm>
+            <a:off x="1081548" y="4211485"/>
+            <a:ext cx="3274141" cy="523220"/>
+          </a:xfrm>
+          <a:prstGeom prst="rect">
+            <a:avLst/>
+          </a:prstGeom>
+          <a:noFill/>
+        </p:spPr>
+        <p:txBody>
+          <a:bodyPr wrap="square" rtlCol="0">
+            <a:spAutoFit/>
+          </a:bodyPr>
+          <a:lstStyle/>
+          <a:p>
             <a:r>
               <a:rPr lang="en-US" sz="2800" dirty="0" smtClean="0">
                 <a:latin typeface="Times New Roman" panose="02020603050405020304" pitchFamily="18" charset="0"/>
                 <a:cs typeface="Times New Roman" panose="02020603050405020304" pitchFamily="18" charset="0"/>
               </a:rPr>
-              <a:t>0.835</a:t>
-            </a:r>
-            <a:endParaRPr lang="en-US" sz="2800" dirty="0">
-              <a:latin typeface="Times New Roman" panose="02020603050405020304" pitchFamily="18" charset="0"/>
-              <a:cs typeface="Times New Roman" panose="02020603050405020304" pitchFamily="18" charset="0"/>
-            </a:endParaRPr>
-          </a:p>
-        </p:txBody>
-      </p:sp>
-      <p:sp>
-        <p:nvSpPr>
-          <p:cNvPr id="13" name="TextBox 12"/>
-          <p:cNvSpPr txBox="1"/>
-          <p:nvPr/>
-        </p:nvSpPr>
-        <p:spPr>
-          <a:xfrm>
-            <a:off x="1081548" y="4211485"/>
-            <a:ext cx="3274141" cy="523220"/>
-          </a:xfrm>
-          <a:prstGeom prst="rect">
-            <a:avLst/>
-          </a:prstGeom>
-          <a:noFill/>
-        </p:spPr>
-        <p:txBody>
-          <a:bodyPr wrap="square" rtlCol="0">
-            <a:spAutoFit/>
-          </a:bodyPr>
-          <a:lstStyle/>
-          <a:p>
-            <a:r>
-              <a:rPr lang="en-US" sz="2800" dirty="0" smtClean="0">
-                <a:latin typeface="Times New Roman" panose="02020603050405020304" pitchFamily="18" charset="0"/>
-                <a:cs typeface="Times New Roman" panose="02020603050405020304" pitchFamily="18" charset="0"/>
-              </a:rPr>
-              <a:t>Score on test : </a:t>
-            </a:r>
-            <a:r>
-              <a:rPr lang="en-US" sz="2800" dirty="0" smtClean="0">
-                <a:latin typeface="Times New Roman" panose="02020603050405020304" pitchFamily="18" charset="0"/>
-                <a:cs typeface="Times New Roman" panose="02020603050405020304" pitchFamily="18" charset="0"/>
-              </a:rPr>
-              <a:t>0.783</a:t>
+              <a:t>Score on test : 0.783</a:t>
             </a:r>
             <a:endParaRPr lang="en-US" sz="2800" dirty="0">
               <a:latin typeface="Times New Roman" panose="02020603050405020304" pitchFamily="18" charset="0"/>
